--- a/layout_planning.pptx
+++ b/layout_planning.pptx
@@ -255,7 +255,7 @@
           <a:p>
             <a:fld id="{12C438A6-A9F8-4731-B9BA-13A493A3D5DB}" type="datetimeFigureOut">
               <a:rPr lang="en-SG" smtClean="0"/>
-              <a:t>20/1/2021</a:t>
+              <a:t>25/1/2021</a:t>
             </a:fld>
             <a:endParaRPr lang="en-SG" dirty="0"/>
           </a:p>
@@ -425,7 +425,7 @@
           <a:p>
             <a:fld id="{12C438A6-A9F8-4731-B9BA-13A493A3D5DB}" type="datetimeFigureOut">
               <a:rPr lang="en-SG" smtClean="0"/>
-              <a:t>20/1/2021</a:t>
+              <a:t>25/1/2021</a:t>
             </a:fld>
             <a:endParaRPr lang="en-SG" dirty="0"/>
           </a:p>
@@ -605,7 +605,7 @@
           <a:p>
             <a:fld id="{12C438A6-A9F8-4731-B9BA-13A493A3D5DB}" type="datetimeFigureOut">
               <a:rPr lang="en-SG" smtClean="0"/>
-              <a:t>20/1/2021</a:t>
+              <a:t>25/1/2021</a:t>
             </a:fld>
             <a:endParaRPr lang="en-SG" dirty="0"/>
           </a:p>
@@ -775,7 +775,7 @@
           <a:p>
             <a:fld id="{12C438A6-A9F8-4731-B9BA-13A493A3D5DB}" type="datetimeFigureOut">
               <a:rPr lang="en-SG" smtClean="0"/>
-              <a:t>20/1/2021</a:t>
+              <a:t>25/1/2021</a:t>
             </a:fld>
             <a:endParaRPr lang="en-SG" dirty="0"/>
           </a:p>
@@ -1019,7 +1019,7 @@
           <a:p>
             <a:fld id="{12C438A6-A9F8-4731-B9BA-13A493A3D5DB}" type="datetimeFigureOut">
               <a:rPr lang="en-SG" smtClean="0"/>
-              <a:t>20/1/2021</a:t>
+              <a:t>25/1/2021</a:t>
             </a:fld>
             <a:endParaRPr lang="en-SG" dirty="0"/>
           </a:p>
@@ -1251,7 +1251,7 @@
           <a:p>
             <a:fld id="{12C438A6-A9F8-4731-B9BA-13A493A3D5DB}" type="datetimeFigureOut">
               <a:rPr lang="en-SG" smtClean="0"/>
-              <a:t>20/1/2021</a:t>
+              <a:t>25/1/2021</a:t>
             </a:fld>
             <a:endParaRPr lang="en-SG" dirty="0"/>
           </a:p>
@@ -1618,7 +1618,7 @@
           <a:p>
             <a:fld id="{12C438A6-A9F8-4731-B9BA-13A493A3D5DB}" type="datetimeFigureOut">
               <a:rPr lang="en-SG" smtClean="0"/>
-              <a:t>20/1/2021</a:t>
+              <a:t>25/1/2021</a:t>
             </a:fld>
             <a:endParaRPr lang="en-SG" dirty="0"/>
           </a:p>
@@ -1736,7 +1736,7 @@
           <a:p>
             <a:fld id="{12C438A6-A9F8-4731-B9BA-13A493A3D5DB}" type="datetimeFigureOut">
               <a:rPr lang="en-SG" smtClean="0"/>
-              <a:t>20/1/2021</a:t>
+              <a:t>25/1/2021</a:t>
             </a:fld>
             <a:endParaRPr lang="en-SG" dirty="0"/>
           </a:p>
@@ -1831,7 +1831,7 @@
           <a:p>
             <a:fld id="{12C438A6-A9F8-4731-B9BA-13A493A3D5DB}" type="datetimeFigureOut">
               <a:rPr lang="en-SG" smtClean="0"/>
-              <a:t>20/1/2021</a:t>
+              <a:t>25/1/2021</a:t>
             </a:fld>
             <a:endParaRPr lang="en-SG" dirty="0"/>
           </a:p>
@@ -2108,7 +2108,7 @@
           <a:p>
             <a:fld id="{12C438A6-A9F8-4731-B9BA-13A493A3D5DB}" type="datetimeFigureOut">
               <a:rPr lang="en-SG" smtClean="0"/>
-              <a:t>20/1/2021</a:t>
+              <a:t>25/1/2021</a:t>
             </a:fld>
             <a:endParaRPr lang="en-SG" dirty="0"/>
           </a:p>
@@ -2364,7 +2364,7 @@
           <a:p>
             <a:fld id="{12C438A6-A9F8-4731-B9BA-13A493A3D5DB}" type="datetimeFigureOut">
               <a:rPr lang="en-SG" smtClean="0"/>
-              <a:t>20/1/2021</a:t>
+              <a:t>25/1/2021</a:t>
             </a:fld>
             <a:endParaRPr lang="en-SG" dirty="0"/>
           </a:p>
@@ -2577,7 +2577,7 @@
           <a:p>
             <a:fld id="{12C438A6-A9F8-4731-B9BA-13A493A3D5DB}" type="datetimeFigureOut">
               <a:rPr lang="en-SG" smtClean="0"/>
-              <a:t>20/1/2021</a:t>
+              <a:t>25/1/2021</a:t>
             </a:fld>
             <a:endParaRPr lang="en-SG" dirty="0"/>
           </a:p>
